--- a/doc/linkingvision.pptx
+++ b/doc/linkingvision.pptx
@@ -104,6 +104,11 @@
       </a:defRPr>
     </a:lvl9pPr>
   </p:defaultTextStyle>
+  <p:extLst>
+    <p:ext uri="{EFAFB233-063F-42B5-8137-9DF3F51BA10A}">
+      <p15:sldGuideLst xmlns:p15="http://schemas.microsoft.com/office/powerpoint/2012/main"/>
+    </p:ext>
+  </p:extLst>
 </p:presentation>
 </file>
 
@@ -3528,6 +3533,36 @@
           </a:extLst>
         </p:spPr>
       </p:pic>
+      <p:sp>
+        <p:nvSpPr>
+          <p:cNvPr id="18" name="文本框 17"/>
+          <p:cNvSpPr txBox="1"/>
+          <p:nvPr/>
+        </p:nvSpPr>
+        <p:spPr>
+          <a:xfrm>
+            <a:off x="500220" y="618103"/>
+            <a:ext cx="2544617" cy="523220"/>
+          </a:xfrm>
+          <a:prstGeom prst="rect">
+            <a:avLst/>
+          </a:prstGeom>
+          <a:noFill/>
+        </p:spPr>
+        <p:txBody>
+          <a:bodyPr wrap="square" rtlCol="0">
+            <a:spAutoFit/>
+          </a:bodyPr>
+          <a:lstStyle/>
+          <a:p>
+            <a:r>
+              <a:rPr lang="en-US" altLang="zh-CN" sz="2800" b="1" dirty="0" smtClean="0"/>
+              <a:t>LINKINGVISION</a:t>
+            </a:r>
+            <a:endParaRPr lang="zh-CN" altLang="en-US" sz="2800" b="1" dirty="0"/>
+          </a:p>
+        </p:txBody>
+      </p:sp>
     </p:spTree>
     <p:extLst>
       <p:ext uri="{BB962C8B-B14F-4D97-AF65-F5344CB8AC3E}">

--- a/doc/linkingvision.pptx
+++ b/doc/linkingvision.pptx
@@ -6,6 +6,7 @@
   </p:sldMasterIdLst>
   <p:sldIdLst>
     <p:sldId id="256" r:id="rId2"/>
+    <p:sldId id="257" r:id="rId3"/>
   </p:sldIdLst>
   <p:sldSz cx="12192000" cy="6858000"/>
   <p:notesSz cx="6858000" cy="9144000"/>
@@ -243,7 +244,7 @@
           <a:p>
             <a:fld id="{067821A1-4DF1-4741-B15F-8DE5071E2CF3}" type="datetimeFigureOut">
               <a:rPr lang="zh-CN" altLang="en-US" smtClean="0"/>
-              <a:t>2017/5/6</a:t>
+              <a:t>2017/5/7</a:t>
             </a:fld>
             <a:endParaRPr lang="zh-CN" altLang="en-US"/>
           </a:p>
@@ -413,7 +414,7 @@
           <a:p>
             <a:fld id="{067821A1-4DF1-4741-B15F-8DE5071E2CF3}" type="datetimeFigureOut">
               <a:rPr lang="zh-CN" altLang="en-US" smtClean="0"/>
-              <a:t>2017/5/6</a:t>
+              <a:t>2017/5/7</a:t>
             </a:fld>
             <a:endParaRPr lang="zh-CN" altLang="en-US"/>
           </a:p>
@@ -593,7 +594,7 @@
           <a:p>
             <a:fld id="{067821A1-4DF1-4741-B15F-8DE5071E2CF3}" type="datetimeFigureOut">
               <a:rPr lang="zh-CN" altLang="en-US" smtClean="0"/>
-              <a:t>2017/5/6</a:t>
+              <a:t>2017/5/7</a:t>
             </a:fld>
             <a:endParaRPr lang="zh-CN" altLang="en-US"/>
           </a:p>
@@ -763,7 +764,7 @@
           <a:p>
             <a:fld id="{067821A1-4DF1-4741-B15F-8DE5071E2CF3}" type="datetimeFigureOut">
               <a:rPr lang="zh-CN" altLang="en-US" smtClean="0"/>
-              <a:t>2017/5/6</a:t>
+              <a:t>2017/5/7</a:t>
             </a:fld>
             <a:endParaRPr lang="zh-CN" altLang="en-US"/>
           </a:p>
@@ -1009,7 +1010,7 @@
           <a:p>
             <a:fld id="{067821A1-4DF1-4741-B15F-8DE5071E2CF3}" type="datetimeFigureOut">
               <a:rPr lang="zh-CN" altLang="en-US" smtClean="0"/>
-              <a:t>2017/5/6</a:t>
+              <a:t>2017/5/7</a:t>
             </a:fld>
             <a:endParaRPr lang="zh-CN" altLang="en-US"/>
           </a:p>
@@ -1241,7 +1242,7 @@
           <a:p>
             <a:fld id="{067821A1-4DF1-4741-B15F-8DE5071E2CF3}" type="datetimeFigureOut">
               <a:rPr lang="zh-CN" altLang="en-US" smtClean="0"/>
-              <a:t>2017/5/6</a:t>
+              <a:t>2017/5/7</a:t>
             </a:fld>
             <a:endParaRPr lang="zh-CN" altLang="en-US"/>
           </a:p>
@@ -1608,7 +1609,7 @@
           <a:p>
             <a:fld id="{067821A1-4DF1-4741-B15F-8DE5071E2CF3}" type="datetimeFigureOut">
               <a:rPr lang="zh-CN" altLang="en-US" smtClean="0"/>
-              <a:t>2017/5/6</a:t>
+              <a:t>2017/5/7</a:t>
             </a:fld>
             <a:endParaRPr lang="zh-CN" altLang="en-US"/>
           </a:p>
@@ -1726,7 +1727,7 @@
           <a:p>
             <a:fld id="{067821A1-4DF1-4741-B15F-8DE5071E2CF3}" type="datetimeFigureOut">
               <a:rPr lang="zh-CN" altLang="en-US" smtClean="0"/>
-              <a:t>2017/5/6</a:t>
+              <a:t>2017/5/7</a:t>
             </a:fld>
             <a:endParaRPr lang="zh-CN" altLang="en-US"/>
           </a:p>
@@ -1821,7 +1822,7 @@
           <a:p>
             <a:fld id="{067821A1-4DF1-4741-B15F-8DE5071E2CF3}" type="datetimeFigureOut">
               <a:rPr lang="zh-CN" altLang="en-US" smtClean="0"/>
-              <a:t>2017/5/6</a:t>
+              <a:t>2017/5/7</a:t>
             </a:fld>
             <a:endParaRPr lang="zh-CN" altLang="en-US"/>
           </a:p>
@@ -2098,7 +2099,7 @@
           <a:p>
             <a:fld id="{067821A1-4DF1-4741-B15F-8DE5071E2CF3}" type="datetimeFigureOut">
               <a:rPr lang="zh-CN" altLang="en-US" smtClean="0"/>
-              <a:t>2017/5/6</a:t>
+              <a:t>2017/5/7</a:t>
             </a:fld>
             <a:endParaRPr lang="zh-CN" altLang="en-US"/>
           </a:p>
@@ -2351,7 +2352,7 @@
           <a:p>
             <a:fld id="{067821A1-4DF1-4741-B15F-8DE5071E2CF3}" type="datetimeFigureOut">
               <a:rPr lang="zh-CN" altLang="en-US" smtClean="0"/>
-              <a:t>2017/5/6</a:t>
+              <a:t>2017/5/7</a:t>
             </a:fld>
             <a:endParaRPr lang="zh-CN" altLang="en-US"/>
           </a:p>
@@ -2564,7 +2565,7 @@
           <a:p>
             <a:fld id="{067821A1-4DF1-4741-B15F-8DE5071E2CF3}" type="datetimeFigureOut">
               <a:rPr lang="zh-CN" altLang="en-US" smtClean="0"/>
-              <a:t>2017/5/6</a:t>
+              <a:t>2017/5/7</a:t>
             </a:fld>
             <a:endParaRPr lang="zh-CN" altLang="en-US"/>
           </a:p>
@@ -3083,11 +3084,7 @@
           <a:p>
             <a:r>
               <a:rPr lang="en-US" altLang="zh-CN" dirty="0" err="1" smtClean="0"/>
-              <a:t>Linkvis</a:t>
-            </a:r>
-            <a:r>
-              <a:rPr lang="en-US" altLang="zh-CN" dirty="0" smtClean="0"/>
-              <a:t> Protocol</a:t>
+              <a:t>Linkproto</a:t>
             </a:r>
             <a:endParaRPr lang="zh-CN" altLang="en-US" dirty="0"/>
           </a:p>
@@ -3383,11 +3380,7 @@
           <a:p>
             <a:r>
               <a:rPr lang="en-US" altLang="zh-CN" dirty="0" err="1" smtClean="0"/>
-              <a:t>Linkvis</a:t>
-            </a:r>
-            <a:r>
-              <a:rPr lang="en-US" altLang="zh-CN" dirty="0" smtClean="0"/>
-              <a:t> Protocol</a:t>
+              <a:t>Linkproto</a:t>
             </a:r>
             <a:endParaRPr lang="zh-CN" altLang="en-US" dirty="0"/>
           </a:p>
@@ -3418,75 +3411,6 @@
             <a:r>
               <a:rPr lang="en-US" altLang="zh-CN" dirty="0" smtClean="0"/>
               <a:t>LINKING APP</a:t>
-            </a:r>
-            <a:endParaRPr lang="zh-CN" altLang="en-US" dirty="0"/>
-          </a:p>
-        </p:txBody>
-      </p:sp>
-      <p:cxnSp>
-        <p:nvCxnSpPr>
-          <p:cNvPr id="32" name="直接箭头连接符 31"/>
-          <p:cNvCxnSpPr/>
-          <p:nvPr/>
-        </p:nvCxnSpPr>
-        <p:spPr>
-          <a:xfrm flipH="1" flipV="1">
-            <a:off x="6601728" y="3267937"/>
-            <a:ext cx="2223949" cy="1431374"/>
-          </a:xfrm>
-          <a:prstGeom prst="straightConnector1">
-            <a:avLst/>
-          </a:prstGeom>
-          <a:ln w="12700">
-            <a:solidFill>
-              <a:schemeClr val="tx1">
-                <a:lumMod val="65000"/>
-                <a:lumOff val="35000"/>
-              </a:schemeClr>
-            </a:solidFill>
-            <a:tailEnd type="none"/>
-          </a:ln>
-        </p:spPr>
-        <p:style>
-          <a:lnRef idx="1">
-            <a:schemeClr val="accent1"/>
-          </a:lnRef>
-          <a:fillRef idx="0">
-            <a:schemeClr val="accent1"/>
-          </a:fillRef>
-          <a:effectRef idx="0">
-            <a:schemeClr val="accent1"/>
-          </a:effectRef>
-          <a:fontRef idx="minor">
-            <a:schemeClr val="tx1"/>
-          </a:fontRef>
-        </p:style>
-      </p:cxnSp>
-      <p:sp>
-        <p:nvSpPr>
-          <p:cNvPr id="34" name="文本框 33"/>
-          <p:cNvSpPr txBox="1"/>
-          <p:nvPr/>
-        </p:nvSpPr>
-        <p:spPr>
-          <a:xfrm>
-            <a:off x="7314007" y="4177882"/>
-            <a:ext cx="3023339" cy="369332"/>
-          </a:xfrm>
-          <a:prstGeom prst="rect">
-            <a:avLst/>
-          </a:prstGeom>
-          <a:noFill/>
-        </p:spPr>
-        <p:txBody>
-          <a:bodyPr wrap="square" rtlCol="0">
-            <a:spAutoFit/>
-          </a:bodyPr>
-          <a:lstStyle/>
-          <a:p>
-            <a:r>
-              <a:rPr lang="en-US" altLang="zh-CN" dirty="0" smtClean="0"/>
-              <a:t>RTSP/RTMP/HLS/HTML5-MSE</a:t>
             </a:r>
             <a:endParaRPr lang="zh-CN" altLang="en-US" dirty="0"/>
           </a:p>
@@ -3515,7 +3439,7 @@
         </p:blipFill>
         <p:spPr bwMode="auto">
           <a:xfrm>
-            <a:off x="8014674" y="4699311"/>
+            <a:off x="7198592" y="157425"/>
             <a:ext cx="2743200" cy="1733551"/>
           </a:xfrm>
           <a:prstGeom prst="rect">
@@ -3563,10 +3487,1054 @@
           </a:p>
         </p:txBody>
       </p:sp>
+      <p:cxnSp>
+        <p:nvCxnSpPr>
+          <p:cNvPr id="32" name="直接箭头连接符 31"/>
+          <p:cNvCxnSpPr/>
+          <p:nvPr/>
+        </p:nvCxnSpPr>
+        <p:spPr>
+          <a:xfrm flipH="1">
+            <a:off x="6500136" y="1059766"/>
+            <a:ext cx="1115469" cy="1427813"/>
+          </a:xfrm>
+          <a:prstGeom prst="straightConnector1">
+            <a:avLst/>
+          </a:prstGeom>
+          <a:ln w="12700">
+            <a:solidFill>
+              <a:schemeClr val="tx1">
+                <a:lumMod val="65000"/>
+                <a:lumOff val="35000"/>
+              </a:schemeClr>
+            </a:solidFill>
+            <a:tailEnd type="none"/>
+          </a:ln>
+        </p:spPr>
+        <p:style>
+          <a:lnRef idx="1">
+            <a:schemeClr val="accent1"/>
+          </a:lnRef>
+          <a:fillRef idx="0">
+            <a:schemeClr val="accent1"/>
+          </a:fillRef>
+          <a:effectRef idx="0">
+            <a:schemeClr val="accent1"/>
+          </a:effectRef>
+          <a:fontRef idx="minor">
+            <a:schemeClr val="tx1"/>
+          </a:fontRef>
+        </p:style>
+      </p:cxnSp>
+      <p:sp>
+        <p:nvSpPr>
+          <p:cNvPr id="34" name="文本框 33"/>
+          <p:cNvSpPr txBox="1"/>
+          <p:nvPr/>
+        </p:nvSpPr>
+        <p:spPr>
+          <a:xfrm>
+            <a:off x="5838091" y="447933"/>
+            <a:ext cx="3023339" cy="646331"/>
+          </a:xfrm>
+          <a:prstGeom prst="rect">
+            <a:avLst/>
+          </a:prstGeom>
+          <a:noFill/>
+        </p:spPr>
+        <p:txBody>
+          <a:bodyPr wrap="square" rtlCol="0">
+            <a:spAutoFit/>
+          </a:bodyPr>
+          <a:lstStyle/>
+          <a:p>
+            <a:r>
+              <a:rPr lang="en-US" altLang="zh-CN" dirty="0" smtClean="0"/>
+              <a:t>RTSP/RTMP</a:t>
+            </a:r>
+            <a:r>
+              <a:rPr lang="en-US" altLang="zh-CN" dirty="0" smtClean="0"/>
+              <a:t>/</a:t>
+            </a:r>
+          </a:p>
+          <a:p>
+            <a:r>
+              <a:rPr lang="en-US" altLang="zh-CN" dirty="0" smtClean="0"/>
+              <a:t>HLS/HTML5-MSE</a:t>
+            </a:r>
+            <a:endParaRPr lang="zh-CN" altLang="en-US" dirty="0"/>
+          </a:p>
+        </p:txBody>
+      </p:sp>
+      <p:cxnSp>
+        <p:nvCxnSpPr>
+          <p:cNvPr id="23" name="直接箭头连接符 22"/>
+          <p:cNvCxnSpPr/>
+          <p:nvPr/>
+        </p:nvCxnSpPr>
+        <p:spPr>
+          <a:xfrm flipH="1" flipV="1">
+            <a:off x="10726494" y="3719545"/>
+            <a:ext cx="45681" cy="1926752"/>
+          </a:xfrm>
+          <a:prstGeom prst="straightConnector1">
+            <a:avLst/>
+          </a:prstGeom>
+          <a:ln w="12700">
+            <a:solidFill>
+              <a:schemeClr val="tx1">
+                <a:lumMod val="65000"/>
+                <a:lumOff val="35000"/>
+              </a:schemeClr>
+            </a:solidFill>
+            <a:tailEnd type="none"/>
+          </a:ln>
+        </p:spPr>
+        <p:style>
+          <a:lnRef idx="1">
+            <a:schemeClr val="accent1"/>
+          </a:lnRef>
+          <a:fillRef idx="0">
+            <a:schemeClr val="accent1"/>
+          </a:fillRef>
+          <a:effectRef idx="0">
+            <a:schemeClr val="accent1"/>
+          </a:effectRef>
+          <a:fontRef idx="minor">
+            <a:schemeClr val="tx1"/>
+          </a:fontRef>
+        </p:style>
+      </p:cxnSp>
+      <p:cxnSp>
+        <p:nvCxnSpPr>
+          <p:cNvPr id="25" name="直接箭头连接符 24"/>
+          <p:cNvCxnSpPr/>
+          <p:nvPr/>
+        </p:nvCxnSpPr>
+        <p:spPr>
+          <a:xfrm>
+            <a:off x="5878815" y="5634314"/>
+            <a:ext cx="4870519" cy="11983"/>
+          </a:xfrm>
+          <a:prstGeom prst="straightConnector1">
+            <a:avLst/>
+          </a:prstGeom>
+          <a:ln w="12700">
+            <a:solidFill>
+              <a:schemeClr val="tx1">
+                <a:lumMod val="65000"/>
+                <a:lumOff val="35000"/>
+              </a:schemeClr>
+            </a:solidFill>
+            <a:tailEnd type="none"/>
+          </a:ln>
+        </p:spPr>
+        <p:style>
+          <a:lnRef idx="1">
+            <a:schemeClr val="accent1"/>
+          </a:lnRef>
+          <a:fillRef idx="0">
+            <a:schemeClr val="accent1"/>
+          </a:fillRef>
+          <a:effectRef idx="0">
+            <a:schemeClr val="accent1"/>
+          </a:effectRef>
+          <a:fontRef idx="minor">
+            <a:schemeClr val="tx1"/>
+          </a:fontRef>
+        </p:style>
+      </p:cxnSp>
+      <p:sp>
+        <p:nvSpPr>
+          <p:cNvPr id="26" name="文本框 25"/>
+          <p:cNvSpPr txBox="1"/>
+          <p:nvPr/>
+        </p:nvSpPr>
+        <p:spPr>
+          <a:xfrm>
+            <a:off x="8166137" y="5264982"/>
+            <a:ext cx="2011680" cy="369332"/>
+          </a:xfrm>
+          <a:prstGeom prst="rect">
+            <a:avLst/>
+          </a:prstGeom>
+          <a:noFill/>
+        </p:spPr>
+        <p:txBody>
+          <a:bodyPr wrap="square" rtlCol="0">
+            <a:spAutoFit/>
+          </a:bodyPr>
+          <a:lstStyle/>
+          <a:p>
+            <a:r>
+              <a:rPr lang="en-US" altLang="zh-CN" dirty="0" smtClean="0"/>
+              <a:t>P2P Streaming</a:t>
+            </a:r>
+            <a:endParaRPr lang="zh-CN" altLang="en-US" dirty="0"/>
+          </a:p>
+        </p:txBody>
+      </p:sp>
     </p:spTree>
     <p:extLst>
       <p:ext uri="{BB962C8B-B14F-4D97-AF65-F5344CB8AC3E}">
         <p14:creationId xmlns:p14="http://schemas.microsoft.com/office/powerpoint/2010/main" val="477075483"/>
+      </p:ext>
+    </p:extLst>
+  </p:cSld>
+  <p:clrMapOvr>
+    <a:masterClrMapping/>
+  </p:clrMapOvr>
+  <p:timing>
+    <p:tnLst>
+      <p:par>
+        <p:cTn id="1" dur="indefinite" restart="never" nodeType="tmRoot"/>
+      </p:par>
+    </p:tnLst>
+  </p:timing>
+</p:sld>
+</file>
+
+<file path=ppt/slides/slide2.xml><?xml version="1.0" encoding="utf-8"?>
+<p:sld xmlns:a="http://schemas.openxmlformats.org/drawingml/2006/main" xmlns:r="http://schemas.openxmlformats.org/officeDocument/2006/relationships" xmlns:p="http://schemas.openxmlformats.org/presentationml/2006/main">
+  <p:cSld>
+    <p:spTree>
+      <p:nvGrpSpPr>
+        <p:cNvPr id="1" name=""/>
+        <p:cNvGrpSpPr/>
+        <p:nvPr/>
+      </p:nvGrpSpPr>
+      <p:grpSpPr>
+        <a:xfrm>
+          <a:off x="0" y="0"/>
+          <a:ext cx="0" cy="0"/>
+          <a:chOff x="0" y="0"/>
+          <a:chExt cx="0" cy="0"/>
+        </a:xfrm>
+      </p:grpSpPr>
+      <p:sp>
+        <p:nvSpPr>
+          <p:cNvPr id="5" name="圆角矩形 4"/>
+          <p:cNvSpPr/>
+          <p:nvPr/>
+        </p:nvSpPr>
+        <p:spPr>
+          <a:xfrm>
+            <a:off x="291640" y="3754837"/>
+            <a:ext cx="5999978" cy="2941385"/>
+          </a:xfrm>
+          <a:prstGeom prst="roundRect">
+            <a:avLst/>
+          </a:prstGeom>
+          <a:noFill/>
+          <a:ln>
+            <a:solidFill>
+              <a:schemeClr val="bg1">
+                <a:lumMod val="65000"/>
+              </a:schemeClr>
+            </a:solidFill>
+            <a:prstDash val="solid"/>
+          </a:ln>
+        </p:spPr>
+        <p:style>
+          <a:lnRef idx="2">
+            <a:schemeClr val="accent1">
+              <a:shade val="50000"/>
+            </a:schemeClr>
+          </a:lnRef>
+          <a:fillRef idx="1">
+            <a:schemeClr val="accent1"/>
+          </a:fillRef>
+          <a:effectRef idx="0">
+            <a:schemeClr val="accent1"/>
+          </a:effectRef>
+          <a:fontRef idx="minor">
+            <a:schemeClr val="lt1"/>
+          </a:fontRef>
+        </p:style>
+        <p:txBody>
+          <a:bodyPr rtlCol="0" anchor="ctr"/>
+          <a:lstStyle/>
+          <a:p>
+            <a:pPr algn="ctr"/>
+            <a:endParaRPr lang="zh-CN" altLang="en-US"/>
+          </a:p>
+        </p:txBody>
+      </p:sp>
+      <p:pic>
+        <p:nvPicPr>
+          <p:cNvPr id="1026" name="Picture 2" descr="cloud icon"/>
+          <p:cNvPicPr>
+            <a:picLocks noChangeAspect="1" noChangeArrowheads="1"/>
+          </p:cNvPicPr>
+          <p:nvPr/>
+        </p:nvPicPr>
+        <p:blipFill>
+          <a:blip r:embed="rId2" cstate="print">
+            <a:extLst>
+              <a:ext uri="{28A0092B-C50C-407E-A947-70E740481C1C}">
+                <a14:useLocalDpi xmlns:a14="http://schemas.microsoft.com/office/drawing/2010/main" val="0"/>
+              </a:ext>
+            </a:extLst>
+          </a:blip>
+          <a:srcRect/>
+          <a:stretch>
+            <a:fillRect/>
+          </a:stretch>
+        </p:blipFill>
+        <p:spPr bwMode="auto">
+          <a:xfrm>
+            <a:off x="5668978" y="403544"/>
+            <a:ext cx="1909227" cy="1871003"/>
+          </a:xfrm>
+          <a:prstGeom prst="rect">
+            <a:avLst/>
+          </a:prstGeom>
+          <a:noFill/>
+          <a:extLst>
+            <a:ext uri="{909E8E84-426E-40DD-AFC4-6F175D3DCCD1}">
+              <a14:hiddenFill xmlns:a14="http://schemas.microsoft.com/office/drawing/2010/main">
+                <a:solidFill>
+                  <a:srgbClr val="FFFFFF"/>
+                </a:solidFill>
+              </a14:hiddenFill>
+            </a:ext>
+          </a:extLst>
+        </p:spPr>
+      </p:pic>
+      <p:pic>
+        <p:nvPicPr>
+          <p:cNvPr id="14" name="图片 13"/>
+          <p:cNvPicPr>
+            <a:picLocks noChangeAspect="1"/>
+          </p:cNvPicPr>
+          <p:nvPr/>
+        </p:nvPicPr>
+        <p:blipFill>
+          <a:blip r:embed="rId3"/>
+          <a:stretch>
+            <a:fillRect/>
+          </a:stretch>
+        </p:blipFill>
+        <p:spPr>
+          <a:xfrm>
+            <a:off x="624635" y="3980519"/>
+            <a:ext cx="1270723" cy="1245010"/>
+          </a:xfrm>
+          <a:prstGeom prst="rect">
+            <a:avLst/>
+          </a:prstGeom>
+        </p:spPr>
+      </p:pic>
+      <p:cxnSp>
+        <p:nvCxnSpPr>
+          <p:cNvPr id="17" name="直接箭头连接符 16"/>
+          <p:cNvCxnSpPr/>
+          <p:nvPr/>
+        </p:nvCxnSpPr>
+        <p:spPr>
+          <a:xfrm flipV="1">
+            <a:off x="4539583" y="1828085"/>
+            <a:ext cx="1569405" cy="1926752"/>
+          </a:xfrm>
+          <a:prstGeom prst="straightConnector1">
+            <a:avLst/>
+          </a:prstGeom>
+          <a:ln w="12700">
+            <a:solidFill>
+              <a:schemeClr val="tx1">
+                <a:lumMod val="65000"/>
+                <a:lumOff val="35000"/>
+              </a:schemeClr>
+            </a:solidFill>
+            <a:tailEnd type="none"/>
+          </a:ln>
+        </p:spPr>
+        <p:style>
+          <a:lnRef idx="1">
+            <a:schemeClr val="accent1"/>
+          </a:lnRef>
+          <a:fillRef idx="0">
+            <a:schemeClr val="accent1"/>
+          </a:fillRef>
+          <a:effectRef idx="0">
+            <a:schemeClr val="accent1"/>
+          </a:effectRef>
+          <a:fontRef idx="minor">
+            <a:schemeClr val="tx1"/>
+          </a:fontRef>
+        </p:style>
+      </p:cxnSp>
+      <p:sp>
+        <p:nvSpPr>
+          <p:cNvPr id="21" name="文本框 20"/>
+          <p:cNvSpPr txBox="1"/>
+          <p:nvPr/>
+        </p:nvSpPr>
+        <p:spPr>
+          <a:xfrm>
+            <a:off x="3703567" y="4133071"/>
+            <a:ext cx="2011680" cy="369332"/>
+          </a:xfrm>
+          <a:prstGeom prst="rect">
+            <a:avLst/>
+          </a:prstGeom>
+          <a:solidFill>
+            <a:srgbClr val="00B050"/>
+          </a:solidFill>
+          <a:ln>
+            <a:solidFill>
+              <a:schemeClr val="accent1"/>
+            </a:solidFill>
+          </a:ln>
+        </p:spPr>
+        <p:txBody>
+          <a:bodyPr wrap="square" rtlCol="0">
+            <a:spAutoFit/>
+          </a:bodyPr>
+          <a:lstStyle/>
+          <a:p>
+            <a:r>
+              <a:rPr lang="en-US" altLang="zh-CN" dirty="0" err="1" smtClean="0">
+                <a:solidFill>
+                  <a:schemeClr val="bg1"/>
+                </a:solidFill>
+              </a:rPr>
+              <a:t>ONVIFLink</a:t>
+            </a:r>
+            <a:r>
+              <a:rPr lang="en-US" altLang="zh-CN" dirty="0" smtClean="0">
+                <a:solidFill>
+                  <a:schemeClr val="bg1"/>
+                </a:solidFill>
+              </a:rPr>
+              <a:t> Process</a:t>
+            </a:r>
+            <a:endParaRPr lang="zh-CN" altLang="en-US" dirty="0">
+              <a:solidFill>
+                <a:schemeClr val="bg1"/>
+              </a:solidFill>
+            </a:endParaRPr>
+          </a:p>
+        </p:txBody>
+      </p:sp>
+      <p:sp>
+        <p:nvSpPr>
+          <p:cNvPr id="22" name="文本框 21"/>
+          <p:cNvSpPr txBox="1"/>
+          <p:nvPr/>
+        </p:nvSpPr>
+        <p:spPr>
+          <a:xfrm>
+            <a:off x="5476097" y="452055"/>
+            <a:ext cx="2544617" cy="369332"/>
+          </a:xfrm>
+          <a:prstGeom prst="rect">
+            <a:avLst/>
+          </a:prstGeom>
+          <a:noFill/>
+        </p:spPr>
+        <p:txBody>
+          <a:bodyPr wrap="square" rtlCol="0">
+            <a:spAutoFit/>
+          </a:bodyPr>
+          <a:lstStyle/>
+          <a:p>
+            <a:r>
+              <a:rPr lang="en-US" altLang="zh-CN" dirty="0" smtClean="0"/>
+              <a:t>LINKING VISION CLOUD</a:t>
+            </a:r>
+            <a:endParaRPr lang="zh-CN" altLang="en-US" dirty="0"/>
+          </a:p>
+        </p:txBody>
+      </p:sp>
+      <p:pic>
+        <p:nvPicPr>
+          <p:cNvPr id="1028" name="Picture 4" descr="cell phone, mobile, mobile phone, phone icon"/>
+          <p:cNvPicPr>
+            <a:picLocks noChangeAspect="1" noChangeArrowheads="1"/>
+          </p:cNvPicPr>
+          <p:nvPr/>
+        </p:nvPicPr>
+        <p:blipFill>
+          <a:blip r:embed="rId4">
+            <a:extLst>
+              <a:ext uri="{28A0092B-C50C-407E-A947-70E740481C1C}">
+                <a14:useLocalDpi xmlns:a14="http://schemas.microsoft.com/office/drawing/2010/main" val="0"/>
+              </a:ext>
+            </a:extLst>
+          </a:blip>
+          <a:srcRect/>
+          <a:stretch>
+            <a:fillRect/>
+          </a:stretch>
+        </p:blipFill>
+        <p:spPr bwMode="auto">
+          <a:xfrm>
+            <a:off x="10519365" y="413423"/>
+            <a:ext cx="1650608" cy="1650608"/>
+          </a:xfrm>
+          <a:prstGeom prst="rect">
+            <a:avLst/>
+          </a:prstGeom>
+          <a:noFill/>
+          <a:extLst>
+            <a:ext uri="{909E8E84-426E-40DD-AFC4-6F175D3DCCD1}">
+              <a14:hiddenFill xmlns:a14="http://schemas.microsoft.com/office/drawing/2010/main">
+                <a:solidFill>
+                  <a:srgbClr val="FFFFFF"/>
+                </a:solidFill>
+              </a14:hiddenFill>
+            </a:ext>
+          </a:extLst>
+        </p:spPr>
+      </p:pic>
+      <p:cxnSp>
+        <p:nvCxnSpPr>
+          <p:cNvPr id="24" name="直接箭头连接符 23"/>
+          <p:cNvCxnSpPr/>
+          <p:nvPr/>
+        </p:nvCxnSpPr>
+        <p:spPr>
+          <a:xfrm flipV="1">
+            <a:off x="7184309" y="1159384"/>
+            <a:ext cx="3717851" cy="79343"/>
+          </a:xfrm>
+          <a:prstGeom prst="straightConnector1">
+            <a:avLst/>
+          </a:prstGeom>
+          <a:ln w="12700">
+            <a:solidFill>
+              <a:schemeClr val="tx1">
+                <a:lumMod val="65000"/>
+                <a:lumOff val="35000"/>
+              </a:schemeClr>
+            </a:solidFill>
+            <a:tailEnd type="none"/>
+          </a:ln>
+        </p:spPr>
+        <p:style>
+          <a:lnRef idx="1">
+            <a:schemeClr val="accent1"/>
+          </a:lnRef>
+          <a:fillRef idx="0">
+            <a:schemeClr val="accent1"/>
+          </a:fillRef>
+          <a:effectRef idx="0">
+            <a:schemeClr val="accent1"/>
+          </a:effectRef>
+          <a:fontRef idx="minor">
+            <a:schemeClr val="tx1"/>
+          </a:fontRef>
+        </p:style>
+      </p:cxnSp>
+      <p:sp>
+        <p:nvSpPr>
+          <p:cNvPr id="30" name="文本框 29"/>
+          <p:cNvSpPr txBox="1"/>
+          <p:nvPr/>
+        </p:nvSpPr>
+        <p:spPr>
+          <a:xfrm>
+            <a:off x="7996558" y="869898"/>
+            <a:ext cx="2011680" cy="369332"/>
+          </a:xfrm>
+          <a:prstGeom prst="rect">
+            <a:avLst/>
+          </a:prstGeom>
+          <a:noFill/>
+        </p:spPr>
+        <p:txBody>
+          <a:bodyPr wrap="square" rtlCol="0">
+            <a:spAutoFit/>
+          </a:bodyPr>
+          <a:lstStyle/>
+          <a:p>
+            <a:r>
+              <a:rPr lang="en-US" altLang="zh-CN" dirty="0" err="1" smtClean="0"/>
+              <a:t>LinkProto</a:t>
+            </a:r>
+            <a:endParaRPr lang="zh-CN" altLang="en-US" dirty="0"/>
+          </a:p>
+        </p:txBody>
+      </p:sp>
+      <p:sp>
+        <p:nvSpPr>
+          <p:cNvPr id="31" name="文本框 30"/>
+          <p:cNvSpPr txBox="1"/>
+          <p:nvPr/>
+        </p:nvSpPr>
+        <p:spPr>
+          <a:xfrm>
+            <a:off x="10753428" y="2089881"/>
+            <a:ext cx="2544617" cy="369332"/>
+          </a:xfrm>
+          <a:prstGeom prst="rect">
+            <a:avLst/>
+          </a:prstGeom>
+          <a:noFill/>
+        </p:spPr>
+        <p:txBody>
+          <a:bodyPr wrap="square" rtlCol="0">
+            <a:spAutoFit/>
+          </a:bodyPr>
+          <a:lstStyle/>
+          <a:p>
+            <a:r>
+              <a:rPr lang="en-US" altLang="zh-CN" dirty="0" smtClean="0"/>
+              <a:t>LINKING APP</a:t>
+            </a:r>
+            <a:endParaRPr lang="zh-CN" altLang="en-US" dirty="0"/>
+          </a:p>
+        </p:txBody>
+      </p:sp>
+      <p:cxnSp>
+        <p:nvCxnSpPr>
+          <p:cNvPr id="32" name="直接箭头连接符 31"/>
+          <p:cNvCxnSpPr/>
+          <p:nvPr/>
+        </p:nvCxnSpPr>
+        <p:spPr>
+          <a:xfrm flipH="1" flipV="1">
+            <a:off x="7174222" y="1834922"/>
+            <a:ext cx="2223949" cy="1431374"/>
+          </a:xfrm>
+          <a:prstGeom prst="straightConnector1">
+            <a:avLst/>
+          </a:prstGeom>
+          <a:ln w="12700">
+            <a:solidFill>
+              <a:schemeClr val="tx1">
+                <a:lumMod val="65000"/>
+                <a:lumOff val="35000"/>
+              </a:schemeClr>
+            </a:solidFill>
+            <a:tailEnd type="none"/>
+          </a:ln>
+        </p:spPr>
+        <p:style>
+          <a:lnRef idx="1">
+            <a:schemeClr val="accent1"/>
+          </a:lnRef>
+          <a:fillRef idx="0">
+            <a:schemeClr val="accent1"/>
+          </a:fillRef>
+          <a:effectRef idx="0">
+            <a:schemeClr val="accent1"/>
+          </a:effectRef>
+          <a:fontRef idx="minor">
+            <a:schemeClr val="tx1"/>
+          </a:fontRef>
+        </p:style>
+      </p:cxnSp>
+      <p:sp>
+        <p:nvSpPr>
+          <p:cNvPr id="34" name="文本框 33"/>
+          <p:cNvSpPr txBox="1"/>
+          <p:nvPr/>
+        </p:nvSpPr>
+        <p:spPr>
+          <a:xfrm>
+            <a:off x="7886501" y="2744867"/>
+            <a:ext cx="3023339" cy="369332"/>
+          </a:xfrm>
+          <a:prstGeom prst="rect">
+            <a:avLst/>
+          </a:prstGeom>
+          <a:noFill/>
+        </p:spPr>
+        <p:txBody>
+          <a:bodyPr wrap="square" rtlCol="0">
+            <a:spAutoFit/>
+          </a:bodyPr>
+          <a:lstStyle/>
+          <a:p>
+            <a:r>
+              <a:rPr lang="en-US" altLang="zh-CN" dirty="0" smtClean="0"/>
+              <a:t>RTSP/RTMP/HLS/HTML5-MSE</a:t>
+            </a:r>
+            <a:endParaRPr lang="zh-CN" altLang="en-US" dirty="0"/>
+          </a:p>
+        </p:txBody>
+      </p:sp>
+      <p:pic>
+        <p:nvPicPr>
+          <p:cNvPr id="1032" name="Picture 8" descr="3rd party icon 的图像结果"/>
+          <p:cNvPicPr>
+            <a:picLocks noChangeAspect="1" noChangeArrowheads="1"/>
+          </p:cNvPicPr>
+          <p:nvPr/>
+        </p:nvPicPr>
+        <p:blipFill>
+          <a:blip r:embed="rId5">
+            <a:extLst>
+              <a:ext uri="{28A0092B-C50C-407E-A947-70E740481C1C}">
+                <a14:useLocalDpi xmlns:a14="http://schemas.microsoft.com/office/drawing/2010/main" val="0"/>
+              </a:ext>
+            </a:extLst>
+          </a:blip>
+          <a:srcRect/>
+          <a:stretch>
+            <a:fillRect/>
+          </a:stretch>
+        </p:blipFill>
+        <p:spPr bwMode="auto">
+          <a:xfrm>
+            <a:off x="8587168" y="3266296"/>
+            <a:ext cx="2743200" cy="1733551"/>
+          </a:xfrm>
+          <a:prstGeom prst="rect">
+            <a:avLst/>
+          </a:prstGeom>
+          <a:noFill/>
+          <a:extLst>
+            <a:ext uri="{909E8E84-426E-40DD-AFC4-6F175D3DCCD1}">
+              <a14:hiddenFill xmlns:a14="http://schemas.microsoft.com/office/drawing/2010/main">
+                <a:solidFill>
+                  <a:srgbClr val="FFFFFF"/>
+                </a:solidFill>
+              </a14:hiddenFill>
+            </a:ext>
+          </a:extLst>
+        </p:spPr>
+      </p:pic>
+      <p:sp>
+        <p:nvSpPr>
+          <p:cNvPr id="18" name="文本框 17"/>
+          <p:cNvSpPr txBox="1"/>
+          <p:nvPr/>
+        </p:nvSpPr>
+        <p:spPr>
+          <a:xfrm>
+            <a:off x="500220" y="618103"/>
+            <a:ext cx="2544617" cy="523220"/>
+          </a:xfrm>
+          <a:prstGeom prst="rect">
+            <a:avLst/>
+          </a:prstGeom>
+          <a:noFill/>
+        </p:spPr>
+        <p:txBody>
+          <a:bodyPr wrap="square" rtlCol="0">
+            <a:spAutoFit/>
+          </a:bodyPr>
+          <a:lstStyle/>
+          <a:p>
+            <a:r>
+              <a:rPr lang="en-US" altLang="zh-CN" sz="2800" b="1" dirty="0" err="1" smtClean="0"/>
+              <a:t>ONVIFLink</a:t>
+            </a:r>
+            <a:endParaRPr lang="zh-CN" altLang="en-US" sz="2800" b="1" dirty="0"/>
+          </a:p>
+        </p:txBody>
+      </p:sp>
+      <p:sp>
+        <p:nvSpPr>
+          <p:cNvPr id="19" name="文本框 18"/>
+          <p:cNvSpPr txBox="1"/>
+          <p:nvPr/>
+        </p:nvSpPr>
+        <p:spPr>
+          <a:xfrm>
+            <a:off x="499919" y="3114199"/>
+            <a:ext cx="3767329" cy="646331"/>
+          </a:xfrm>
+          <a:prstGeom prst="rect">
+            <a:avLst/>
+          </a:prstGeom>
+          <a:noFill/>
+        </p:spPr>
+        <p:txBody>
+          <a:bodyPr wrap="square" rtlCol="0">
+            <a:spAutoFit/>
+          </a:bodyPr>
+          <a:lstStyle/>
+          <a:p>
+            <a:r>
+              <a:rPr lang="en-US" altLang="zh-CN" dirty="0" smtClean="0"/>
+              <a:t>IP CAMERA WITH ONVIF SUPPORT</a:t>
+            </a:r>
+          </a:p>
+          <a:p>
+            <a:r>
+              <a:rPr lang="en-US" altLang="zh-CN" dirty="0" smtClean="0"/>
+              <a:t>Make Camera Cloud Access in 10</a:t>
+            </a:r>
+            <a:r>
+              <a:rPr lang="en-US" altLang="zh-CN" dirty="0" smtClean="0"/>
+              <a:t>m</a:t>
+            </a:r>
+            <a:r>
+              <a:rPr lang="en-US" altLang="zh-CN" dirty="0" smtClean="0"/>
+              <a:t>ins</a:t>
+            </a:r>
+            <a:endParaRPr lang="zh-CN" altLang="en-US" dirty="0"/>
+          </a:p>
+        </p:txBody>
+      </p:sp>
+      <p:sp>
+        <p:nvSpPr>
+          <p:cNvPr id="20" name="文本框 19"/>
+          <p:cNvSpPr txBox="1"/>
+          <p:nvPr/>
+        </p:nvSpPr>
+        <p:spPr>
+          <a:xfrm>
+            <a:off x="1709951" y="5225529"/>
+            <a:ext cx="1975784" cy="646331"/>
+          </a:xfrm>
+          <a:prstGeom prst="rect">
+            <a:avLst/>
+          </a:prstGeom>
+          <a:noFill/>
+          <a:ln>
+            <a:solidFill>
+              <a:schemeClr val="accent1"/>
+            </a:solidFill>
+          </a:ln>
+        </p:spPr>
+        <p:txBody>
+          <a:bodyPr wrap="square" rtlCol="0">
+            <a:spAutoFit/>
+          </a:bodyPr>
+          <a:lstStyle/>
+          <a:p>
+            <a:r>
+              <a:rPr lang="en-US" altLang="zh-CN" dirty="0" smtClean="0"/>
+              <a:t>IP Camera ONIVF server</a:t>
+            </a:r>
+            <a:endParaRPr lang="zh-CN" altLang="en-US" dirty="0"/>
+          </a:p>
+        </p:txBody>
+      </p:sp>
+      <p:sp>
+        <p:nvSpPr>
+          <p:cNvPr id="23" name="文本框 22"/>
+          <p:cNvSpPr txBox="1"/>
+          <p:nvPr/>
+        </p:nvSpPr>
+        <p:spPr>
+          <a:xfrm>
+            <a:off x="4036512" y="5225529"/>
+            <a:ext cx="2072476" cy="646331"/>
+          </a:xfrm>
+          <a:prstGeom prst="rect">
+            <a:avLst/>
+          </a:prstGeom>
+          <a:noFill/>
+          <a:ln>
+            <a:solidFill>
+              <a:schemeClr val="accent1"/>
+            </a:solidFill>
+          </a:ln>
+        </p:spPr>
+        <p:txBody>
+          <a:bodyPr wrap="square" rtlCol="0">
+            <a:spAutoFit/>
+          </a:bodyPr>
+          <a:lstStyle/>
+          <a:p>
+            <a:r>
+              <a:rPr lang="en-US" altLang="zh-CN" dirty="0" smtClean="0"/>
+              <a:t>IP Camera RTSP Server</a:t>
+            </a:r>
+            <a:endParaRPr lang="zh-CN" altLang="en-US" dirty="0"/>
+          </a:p>
+        </p:txBody>
+      </p:sp>
+      <p:cxnSp>
+        <p:nvCxnSpPr>
+          <p:cNvPr id="25" name="直接箭头连接符 24"/>
+          <p:cNvCxnSpPr>
+            <a:stCxn id="20" idx="0"/>
+          </p:cNvCxnSpPr>
+          <p:nvPr/>
+        </p:nvCxnSpPr>
+        <p:spPr>
+          <a:xfrm flipV="1">
+            <a:off x="2697843" y="4502403"/>
+            <a:ext cx="1569405" cy="723126"/>
+          </a:xfrm>
+          <a:prstGeom prst="straightConnector1">
+            <a:avLst/>
+          </a:prstGeom>
+          <a:ln w="12700">
+            <a:solidFill>
+              <a:schemeClr val="tx1">
+                <a:lumMod val="65000"/>
+                <a:lumOff val="35000"/>
+              </a:schemeClr>
+            </a:solidFill>
+            <a:tailEnd type="none"/>
+          </a:ln>
+        </p:spPr>
+        <p:style>
+          <a:lnRef idx="1">
+            <a:schemeClr val="accent1"/>
+          </a:lnRef>
+          <a:fillRef idx="0">
+            <a:schemeClr val="accent1"/>
+          </a:fillRef>
+          <a:effectRef idx="0">
+            <a:schemeClr val="accent1"/>
+          </a:effectRef>
+          <a:fontRef idx="minor">
+            <a:schemeClr val="tx1"/>
+          </a:fontRef>
+        </p:style>
+      </p:cxnSp>
+      <p:cxnSp>
+        <p:nvCxnSpPr>
+          <p:cNvPr id="26" name="直接箭头连接符 25"/>
+          <p:cNvCxnSpPr>
+            <a:stCxn id="23" idx="0"/>
+          </p:cNvCxnSpPr>
+          <p:nvPr/>
+        </p:nvCxnSpPr>
+        <p:spPr>
+          <a:xfrm flipH="1" flipV="1">
+            <a:off x="4975610" y="4512001"/>
+            <a:ext cx="97140" cy="713528"/>
+          </a:xfrm>
+          <a:prstGeom prst="straightConnector1">
+            <a:avLst/>
+          </a:prstGeom>
+          <a:ln w="12700">
+            <a:solidFill>
+              <a:schemeClr val="tx1">
+                <a:lumMod val="65000"/>
+                <a:lumOff val="35000"/>
+              </a:schemeClr>
+            </a:solidFill>
+            <a:tailEnd type="none"/>
+          </a:ln>
+        </p:spPr>
+        <p:style>
+          <a:lnRef idx="1">
+            <a:schemeClr val="accent1"/>
+          </a:lnRef>
+          <a:fillRef idx="0">
+            <a:schemeClr val="accent1"/>
+          </a:fillRef>
+          <a:effectRef idx="0">
+            <a:schemeClr val="accent1"/>
+          </a:effectRef>
+          <a:fontRef idx="minor">
+            <a:schemeClr val="tx1"/>
+          </a:fontRef>
+        </p:style>
+      </p:cxnSp>
+      <p:cxnSp>
+        <p:nvCxnSpPr>
+          <p:cNvPr id="27" name="直接箭头连接符 26"/>
+          <p:cNvCxnSpPr/>
+          <p:nvPr/>
+        </p:nvCxnSpPr>
+        <p:spPr>
+          <a:xfrm flipV="1">
+            <a:off x="11344669" y="2459214"/>
+            <a:ext cx="1" cy="2942780"/>
+          </a:xfrm>
+          <a:prstGeom prst="straightConnector1">
+            <a:avLst/>
+          </a:prstGeom>
+          <a:ln w="12700">
+            <a:solidFill>
+              <a:schemeClr val="tx1">
+                <a:lumMod val="65000"/>
+                <a:lumOff val="35000"/>
+              </a:schemeClr>
+            </a:solidFill>
+            <a:tailEnd type="none"/>
+          </a:ln>
+        </p:spPr>
+        <p:style>
+          <a:lnRef idx="1">
+            <a:schemeClr val="accent1"/>
+          </a:lnRef>
+          <a:fillRef idx="0">
+            <a:schemeClr val="accent1"/>
+          </a:fillRef>
+          <a:effectRef idx="0">
+            <a:schemeClr val="accent1"/>
+          </a:effectRef>
+          <a:fontRef idx="minor">
+            <a:schemeClr val="tx1"/>
+          </a:fontRef>
+        </p:style>
+      </p:cxnSp>
+      <p:cxnSp>
+        <p:nvCxnSpPr>
+          <p:cNvPr id="33" name="直接箭头连接符 32"/>
+          <p:cNvCxnSpPr/>
+          <p:nvPr/>
+        </p:nvCxnSpPr>
+        <p:spPr>
+          <a:xfrm flipH="1">
+            <a:off x="6315301" y="5401994"/>
+            <a:ext cx="5029368" cy="0"/>
+          </a:xfrm>
+          <a:prstGeom prst="straightConnector1">
+            <a:avLst/>
+          </a:prstGeom>
+          <a:ln w="12700">
+            <a:solidFill>
+              <a:schemeClr val="tx1">
+                <a:lumMod val="65000"/>
+                <a:lumOff val="35000"/>
+              </a:schemeClr>
+            </a:solidFill>
+            <a:tailEnd type="none"/>
+          </a:ln>
+        </p:spPr>
+        <p:style>
+          <a:lnRef idx="1">
+            <a:schemeClr val="accent1"/>
+          </a:lnRef>
+          <a:fillRef idx="0">
+            <a:schemeClr val="accent1"/>
+          </a:fillRef>
+          <a:effectRef idx="0">
+            <a:schemeClr val="accent1"/>
+          </a:effectRef>
+          <a:fontRef idx="minor">
+            <a:schemeClr val="tx1"/>
+          </a:fontRef>
+        </p:style>
+      </p:cxnSp>
+      <p:sp>
+        <p:nvSpPr>
+          <p:cNvPr id="35" name="文本框 34"/>
+          <p:cNvSpPr txBox="1"/>
+          <p:nvPr/>
+        </p:nvSpPr>
+        <p:spPr>
+          <a:xfrm>
+            <a:off x="7906444" y="5043876"/>
+            <a:ext cx="2011680" cy="369332"/>
+          </a:xfrm>
+          <a:prstGeom prst="rect">
+            <a:avLst/>
+          </a:prstGeom>
+          <a:noFill/>
+        </p:spPr>
+        <p:txBody>
+          <a:bodyPr wrap="square" rtlCol="0">
+            <a:spAutoFit/>
+          </a:bodyPr>
+          <a:lstStyle/>
+          <a:p>
+            <a:r>
+              <a:rPr lang="en-US" altLang="zh-CN" dirty="0" smtClean="0"/>
+              <a:t>P2P Streaming</a:t>
+            </a:r>
+            <a:endParaRPr lang="zh-CN" altLang="en-US" dirty="0"/>
+          </a:p>
+        </p:txBody>
+      </p:sp>
+    </p:spTree>
+    <p:extLst>
+      <p:ext uri="{BB962C8B-B14F-4D97-AF65-F5344CB8AC3E}">
+        <p14:creationId xmlns:p14="http://schemas.microsoft.com/office/powerpoint/2010/main" val="2924535553"/>
       </p:ext>
     </p:extLst>
   </p:cSld>
